--- a/lectures/j2ee. Lecture 4.pptx
+++ b/lectures/j2ee. Lecture 4.pptx
@@ -119,6 +119,22 @@
       </a:defRPr>
     </a:lvl9pPr>
   </p:defaultTextStyle>
+  <p:extLst>
+    <p:ext uri="{EFAFB233-063F-42B5-8137-9DF3F51BA10A}">
+      <p15:sldGuideLst xmlns:p15="http://schemas.microsoft.com/office/powerpoint/2012/main">
+        <p15:guide id="1" orient="horz" pos="2160">
+          <p15:clr>
+            <a:srgbClr val="A4A3A4"/>
+          </p15:clr>
+        </p15:guide>
+        <p15:guide id="2" pos="2880">
+          <p15:clr>
+            <a:srgbClr val="A4A3A4"/>
+          </p15:clr>
+        </p15:guide>
+      </p15:sldGuideLst>
+    </p:ext>
+  </p:extLst>
 </p:presentation>
 </file>
 
@@ -304,7 +320,7 @@
             <a:fld id="{04794622-6F41-4D08-898D-573420FBC607}" type="datetimeFigureOut">
               <a:rPr lang="ru-RU" smtClean="0"/>
               <a:pPr/>
-              <a:t>28.10.2013</a:t>
+              <a:t>пн 09.11.15</a:t>
             </a:fld>
             <a:endParaRPr lang="ru-RU"/>
           </a:p>
@@ -471,7 +487,7 @@
             <a:fld id="{04794622-6F41-4D08-898D-573420FBC607}" type="datetimeFigureOut">
               <a:rPr lang="ru-RU" smtClean="0"/>
               <a:pPr/>
-              <a:t>28.10.2013</a:t>
+              <a:t>пн 09.11.15</a:t>
             </a:fld>
             <a:endParaRPr lang="ru-RU"/>
           </a:p>
@@ -648,7 +664,7 @@
             <a:fld id="{04794622-6F41-4D08-898D-573420FBC607}" type="datetimeFigureOut">
               <a:rPr lang="ru-RU" smtClean="0"/>
               <a:pPr/>
-              <a:t>28.10.2013</a:t>
+              <a:t>пн 09.11.15</a:t>
             </a:fld>
             <a:endParaRPr lang="ru-RU"/>
           </a:p>
@@ -815,7 +831,7 @@
             <a:fld id="{04794622-6F41-4D08-898D-573420FBC607}" type="datetimeFigureOut">
               <a:rPr lang="ru-RU" smtClean="0"/>
               <a:pPr/>
-              <a:t>28.10.2013</a:t>
+              <a:t>пн 09.11.15</a:t>
             </a:fld>
             <a:endParaRPr lang="ru-RU"/>
           </a:p>
@@ -1058,7 +1074,7 @@
             <a:fld id="{04794622-6F41-4D08-898D-573420FBC607}" type="datetimeFigureOut">
               <a:rPr lang="ru-RU" smtClean="0"/>
               <a:pPr/>
-              <a:t>28.10.2013</a:t>
+              <a:t>пн 09.11.15</a:t>
             </a:fld>
             <a:endParaRPr lang="ru-RU"/>
           </a:p>
@@ -1343,7 +1359,7 @@
             <a:fld id="{04794622-6F41-4D08-898D-573420FBC607}" type="datetimeFigureOut">
               <a:rPr lang="ru-RU" smtClean="0"/>
               <a:pPr/>
-              <a:t>28.10.2013</a:t>
+              <a:t>пн 09.11.15</a:t>
             </a:fld>
             <a:endParaRPr lang="ru-RU"/>
           </a:p>
@@ -1762,7 +1778,7 @@
             <a:fld id="{04794622-6F41-4D08-898D-573420FBC607}" type="datetimeFigureOut">
               <a:rPr lang="ru-RU" smtClean="0"/>
               <a:pPr/>
-              <a:t>28.10.2013</a:t>
+              <a:t>пн 09.11.15</a:t>
             </a:fld>
             <a:endParaRPr lang="ru-RU"/>
           </a:p>
@@ -1877,7 +1893,7 @@
             <a:fld id="{04794622-6F41-4D08-898D-573420FBC607}" type="datetimeFigureOut">
               <a:rPr lang="ru-RU" smtClean="0"/>
               <a:pPr/>
-              <a:t>28.10.2013</a:t>
+              <a:t>пн 09.11.15</a:t>
             </a:fld>
             <a:endParaRPr lang="ru-RU"/>
           </a:p>
@@ -1969,7 +1985,7 @@
             <a:fld id="{04794622-6F41-4D08-898D-573420FBC607}" type="datetimeFigureOut">
               <a:rPr lang="ru-RU" smtClean="0"/>
               <a:pPr/>
-              <a:t>28.10.2013</a:t>
+              <a:t>пн 09.11.15</a:t>
             </a:fld>
             <a:endParaRPr lang="ru-RU"/>
           </a:p>
@@ -2243,7 +2259,7 @@
             <a:fld id="{04794622-6F41-4D08-898D-573420FBC607}" type="datetimeFigureOut">
               <a:rPr lang="ru-RU" smtClean="0"/>
               <a:pPr/>
-              <a:t>28.10.2013</a:t>
+              <a:t>пн 09.11.15</a:t>
             </a:fld>
             <a:endParaRPr lang="ru-RU"/>
           </a:p>
@@ -2493,7 +2509,7 @@
             <a:fld id="{04794622-6F41-4D08-898D-573420FBC607}" type="datetimeFigureOut">
               <a:rPr lang="ru-RU" smtClean="0"/>
               <a:pPr/>
-              <a:t>28.10.2013</a:t>
+              <a:t>пн 09.11.15</a:t>
             </a:fld>
             <a:endParaRPr lang="ru-RU"/>
           </a:p>
@@ -2703,7 +2719,7 @@
             <a:fld id="{04794622-6F41-4D08-898D-573420FBC607}" type="datetimeFigureOut">
               <a:rPr lang="ru-RU" smtClean="0"/>
               <a:pPr/>
-              <a:t>28.10.2013</a:t>
+              <a:t>пн 09.11.15</a:t>
             </a:fld>
             <a:endParaRPr lang="ru-RU"/>
           </a:p>
@@ -3134,7 +3150,6 @@
               <a:rPr lang="ru-RU" dirty="0" smtClean="0"/>
               <a:t>.</a:t>
             </a:r>
-            <a:endParaRPr lang="ru-RU" dirty="0" smtClean="0"/>
           </a:p>
           <a:p>
             <a:r>
@@ -3349,15 +3364,15 @@
               <a:t>и </a:t>
             </a:r>
             <a:r>
-              <a:rPr lang="en-US" dirty="0" err="1" smtClean="0">
-                <a:solidFill>
-                  <a:schemeClr val="tx1">
-                    <a:lumMod val="85000"/>
-                    <a:lumOff val="15000"/>
-                  </a:schemeClr>
-                </a:solidFill>
-              </a:rPr>
-              <a:t>RecipeItem</a:t>
+              <a:rPr lang="en-US" dirty="0" smtClean="0">
+                <a:solidFill>
+                  <a:schemeClr val="tx1">
+                    <a:lumMod val="85000"/>
+                    <a:lumOff val="15000"/>
+                  </a:schemeClr>
+                </a:solidFill>
+              </a:rPr>
+              <a:t>Ingredient</a:t>
             </a:r>
             <a:endParaRPr lang="en-US" dirty="0" smtClean="0">
               <a:solidFill>
@@ -3805,6 +3820,28 @@
               </a:rPr>
               <a:t>RecipeRepository</a:t>
             </a:r>
+            <a:r>
+              <a:rPr lang="en-US" dirty="0" smtClean="0">
+                <a:solidFill>
+                  <a:schemeClr val="tx1">
+                    <a:lumMod val="85000"/>
+                    <a:lumOff val="15000"/>
+                  </a:schemeClr>
+                </a:solidFill>
+              </a:rPr>
+              <a:t>, </a:t>
+            </a:r>
+            <a:r>
+              <a:rPr lang="en-US" dirty="0" err="1" smtClean="0">
+                <a:solidFill>
+                  <a:schemeClr val="tx1">
+                    <a:lumMod val="85000"/>
+                    <a:lumOff val="15000"/>
+                  </a:schemeClr>
+                </a:solidFill>
+              </a:rPr>
+              <a:t>IngredientRepository</a:t>
+            </a:r>
             <a:endParaRPr lang="en-US" dirty="0" smtClean="0">
               <a:solidFill>
                 <a:schemeClr val="tx1">
@@ -4022,7 +4059,7 @@
         <p:spPr>
           <a:xfrm>
             <a:off x="428596" y="1000108"/>
-            <a:ext cx="8286808" cy="1477328"/>
+            <a:ext cx="8286808" cy="1754326"/>
           </a:xfrm>
           <a:prstGeom prst="rect">
             <a:avLst/>
@@ -4136,6 +4173,79 @@
                 </a:solidFill>
               </a:rPr>
               <a:t>RecipeService</a:t>
+            </a:r>
+            <a:endParaRPr lang="en-US" dirty="0" smtClean="0">
+              <a:solidFill>
+                <a:schemeClr val="tx1">
+                  <a:lumMod val="85000"/>
+                  <a:lumOff val="15000"/>
+                </a:schemeClr>
+              </a:solidFill>
+            </a:endParaRPr>
+          </a:p>
+          <a:p>
+            <a:pPr>
+              <a:buClr>
+                <a:schemeClr val="tx1">
+                  <a:lumMod val="85000"/>
+                  <a:lumOff val="15000"/>
+                </a:schemeClr>
+              </a:buClr>
+            </a:pPr>
+            <a:r>
+              <a:rPr lang="ru-RU" dirty="0" smtClean="0">
+                <a:solidFill>
+                  <a:schemeClr val="tx1">
+                    <a:lumMod val="85000"/>
+                    <a:lumOff val="15000"/>
+                  </a:schemeClr>
+                </a:solidFill>
+              </a:rPr>
+              <a:t>См. </a:t>
+            </a:r>
+            <a:r>
+              <a:rPr lang="en-US" dirty="0" err="1" smtClean="0">
+                <a:solidFill>
+                  <a:schemeClr val="tx1">
+                    <a:lumMod val="85000"/>
+                    <a:lumOff val="15000"/>
+                  </a:schemeClr>
+                </a:solidFill>
+              </a:rPr>
+              <a:t>IIngredientService</a:t>
+            </a:r>
+            <a:r>
+              <a:rPr lang="en-US" dirty="0" smtClean="0">
+                <a:solidFill>
+                  <a:schemeClr val="tx1">
+                    <a:lumMod val="85000"/>
+                    <a:lumOff val="15000"/>
+                  </a:schemeClr>
+                </a:solidFill>
+              </a:rPr>
+              <a:t> </a:t>
+            </a:r>
+            <a:r>
+              <a:rPr lang="ru-RU" dirty="0" smtClean="0">
+                <a:solidFill>
+                  <a:schemeClr val="tx1">
+                    <a:lumMod val="85000"/>
+                    <a:lumOff val="15000"/>
+                  </a:schemeClr>
+                </a:solidFill>
+              </a:rPr>
+              <a:t>и </a:t>
+            </a:r>
+            <a:r>
+              <a:rPr lang="en-US" dirty="0" err="1" smtClean="0">
+                <a:solidFill>
+                  <a:schemeClr val="tx1">
+                    <a:lumMod val="85000"/>
+                    <a:lumOff val="15000"/>
+                  </a:schemeClr>
+                </a:solidFill>
+              </a:rPr>
+              <a:t>IngredientService</a:t>
             </a:r>
             <a:endParaRPr lang="en-US" dirty="0" smtClean="0">
               <a:solidFill>
@@ -4379,7 +4489,7 @@
         <p:spPr>
           <a:xfrm>
             <a:off x="428596" y="1000108"/>
-            <a:ext cx="8286808" cy="2031325"/>
+            <a:ext cx="8286808" cy="1477328"/>
           </a:xfrm>
           <a:prstGeom prst="rect">
             <a:avLst/>
@@ -4450,7 +4560,18 @@
                   </a:schemeClr>
                 </a:solidFill>
               </a:rPr>
-              <a:t>META-INF/orm.xml – </a:t>
+              <a:t>META-INF/persistence.xml </a:t>
+            </a:r>
+            <a:r>
+              <a:rPr lang="en-US" dirty="0" smtClean="0">
+                <a:solidFill>
+                  <a:schemeClr val="tx1">
+                    <a:lumMod val="85000"/>
+                    <a:lumOff val="15000"/>
+                  </a:schemeClr>
+                </a:solidFill>
+              </a:rPr>
+              <a:t>– </a:t>
             </a:r>
             <a:r>
               <a:rPr lang="ru-RU" dirty="0" smtClean="0">
@@ -4461,7 +4582,7 @@
                   </a:schemeClr>
                 </a:solidFill>
               </a:rPr>
-              <a:t>перечисляем </a:t>
+              <a:t>определяем </a:t>
             </a:r>
             <a:r>
               <a:rPr lang="en-US" dirty="0" smtClean="0">
@@ -4472,7 +4593,18 @@
                   </a:schemeClr>
                 </a:solidFill>
               </a:rPr>
-              <a:t>Entity</a:t>
+              <a:t>persistence-unit (</a:t>
+            </a:r>
+            <a:r>
+              <a:rPr lang="ru-RU" dirty="0" smtClean="0">
+                <a:solidFill>
+                  <a:schemeClr val="tx1">
+                    <a:lumMod val="85000"/>
+                    <a:lumOff val="15000"/>
+                  </a:schemeClr>
+                </a:solidFill>
+              </a:rPr>
+              <a:t>соединение с базой и некоторые настройки)</a:t>
             </a:r>
           </a:p>
           <a:p>
@@ -4495,7 +4627,7 @@
                   </a:schemeClr>
                 </a:solidFill>
               </a:rPr>
-              <a:t>persistence.xml – </a:t>
+              <a:t>database.xml – </a:t>
             </a:r>
             <a:r>
               <a:rPr lang="ru-RU" dirty="0" smtClean="0">
@@ -4506,7 +4638,7 @@
                   </a:schemeClr>
                 </a:solidFill>
               </a:rPr>
-              <a:t>определяем </a:t>
+              <a:t>определяем фабрику </a:t>
             </a:r>
             <a:r>
               <a:rPr lang="en-US" dirty="0" smtClean="0">
@@ -4517,7 +4649,7 @@
                   </a:schemeClr>
                 </a:solidFill>
               </a:rPr>
-              <a:t>persistence-unit (</a:t>
+              <a:t>Entity</a:t>
             </a:r>
             <a:r>
               <a:rPr lang="ru-RU" dirty="0" smtClean="0">
@@ -4528,30 +4660,7 @@
                   </a:schemeClr>
                 </a:solidFill>
               </a:rPr>
-              <a:t>соединение с базой и некоторые настройки)</a:t>
-            </a:r>
-          </a:p>
-          <a:p>
-            <a:pPr marL="285750" indent="-285750">
-              <a:buClr>
-                <a:schemeClr val="tx1">
-                  <a:lumMod val="85000"/>
-                  <a:lumOff val="15000"/>
-                </a:schemeClr>
-              </a:buClr>
-              <a:buFont typeface="Arial" pitchFamily="34" charset="0"/>
-              <a:buChar char="•"/>
-            </a:pPr>
-            <a:r>
-              <a:rPr lang="en-US" dirty="0" smtClean="0">
-                <a:solidFill>
-                  <a:schemeClr val="tx1">
-                    <a:lumMod val="85000"/>
-                    <a:lumOff val="15000"/>
-                  </a:schemeClr>
-                </a:solidFill>
-              </a:rPr>
-              <a:t>database.xml – </a:t>
+              <a:t> и менеджер </a:t>
             </a:r>
             <a:r>
               <a:rPr lang="ru-RU" dirty="0" smtClean="0">
@@ -4562,52 +4671,16 @@
                   </a:schemeClr>
                 </a:solidFill>
               </a:rPr>
-              <a:t>определяем фабрику </a:t>
-            </a:r>
-            <a:r>
-              <a:rPr lang="en-US" dirty="0" smtClean="0">
-                <a:solidFill>
-                  <a:schemeClr val="tx1">
-                    <a:lumMod val="85000"/>
-                    <a:lumOff val="15000"/>
-                  </a:schemeClr>
-                </a:solidFill>
-              </a:rPr>
-              <a:t>Entity</a:t>
-            </a:r>
-            <a:r>
-              <a:rPr lang="ru-RU" dirty="0" smtClean="0">
-                <a:solidFill>
-                  <a:schemeClr val="tx1">
-                    <a:lumMod val="85000"/>
-                    <a:lumOff val="15000"/>
-                  </a:schemeClr>
-                </a:solidFill>
-              </a:rPr>
-              <a:t> и менеджер транзакций (обратите внимание на </a:t>
-            </a:r>
-            <a:r>
-              <a:rPr lang="en-US" dirty="0" err="1" smtClean="0">
-                <a:solidFill>
-                  <a:schemeClr val="tx1">
-                    <a:lumMod val="85000"/>
-                    <a:lumOff val="15000"/>
-                  </a:schemeClr>
-                </a:solidFill>
-              </a:rPr>
-              <a:t>jndi</a:t>
-            </a:r>
-            <a:r>
-              <a:rPr lang="en-US" dirty="0" smtClean="0">
-                <a:solidFill>
-                  <a:schemeClr val="tx1">
-                    <a:lumMod val="85000"/>
-                    <a:lumOff val="15000"/>
-                  </a:schemeClr>
-                </a:solidFill>
-              </a:rPr>
-              <a:t> data source)</a:t>
-            </a:r>
+              <a:t>транзакций</a:t>
+            </a:r>
+            <a:endParaRPr lang="en-US" dirty="0" smtClean="0">
+              <a:solidFill>
+                <a:schemeClr val="tx1">
+                  <a:lumMod val="85000"/>
+                  <a:lumOff val="15000"/>
+                </a:schemeClr>
+              </a:solidFill>
+            </a:endParaRPr>
           </a:p>
         </p:txBody>
       </p:sp>
@@ -4800,7 +4873,7 @@
                   </a:schemeClr>
                 </a:solidFill>
               </a:rPr>
-              <a:t>WebLogic</a:t>
+              <a:t>WildFly</a:t>
             </a:r>
             <a:endParaRPr lang="en-US" dirty="0" smtClean="0">
               <a:solidFill>
@@ -5030,19 +5103,43 @@
               <a:rPr lang="ru-RU" dirty="0" smtClean="0">
                 <a:cs typeface="Courier New" pitchFamily="49" charset="0"/>
               </a:rPr>
-              <a:t>классы на основе этой диаграммы (в отдельном </a:t>
+              <a:t>классы на основе </a:t>
             </a:r>
             <a:r>
               <a:rPr lang="en-US" dirty="0" smtClean="0">
                 <a:cs typeface="Courier New" pitchFamily="49" charset="0"/>
               </a:rPr>
+              <a:t>EER-</a:t>
+            </a:r>
+            <a:r>
+              <a:rPr lang="ru-RU" dirty="0" smtClean="0">
+                <a:cs typeface="Courier New" pitchFamily="49" charset="0"/>
+              </a:rPr>
+              <a:t>диаграммы </a:t>
+            </a:r>
+            <a:r>
+              <a:rPr lang="ru-RU" dirty="0" smtClean="0">
+                <a:cs typeface="Courier New" pitchFamily="49" charset="0"/>
+              </a:rPr>
+              <a:t>(в отдельном </a:t>
+            </a:r>
+            <a:r>
+              <a:rPr lang="en-US" dirty="0" smtClean="0">
+                <a:cs typeface="Courier New" pitchFamily="49" charset="0"/>
+              </a:rPr>
               <a:t>maven-</a:t>
             </a:r>
             <a:r>
               <a:rPr lang="ru-RU" dirty="0" smtClean="0">
                 <a:cs typeface="Courier New" pitchFamily="49" charset="0"/>
               </a:rPr>
-              <a:t>проекте !!!)</a:t>
+              <a:t>проекте </a:t>
+            </a:r>
+            <a:r>
+              <a:rPr lang="ru-RU" dirty="0" smtClean="0">
+                <a:cs typeface="Courier New" pitchFamily="49" charset="0"/>
+              </a:rPr>
+              <a:t>!!!, следующий слайд)</a:t>
             </a:r>
             <a:endParaRPr lang="en-US" dirty="0" smtClean="0">
               <a:cs typeface="Courier New" pitchFamily="49" charset="0"/>
@@ -5112,7 +5209,7 @@
               <a:rPr lang="en-US" dirty="0" err="1" smtClean="0">
                 <a:cs typeface="Courier New" pitchFamily="49" charset="0"/>
               </a:rPr>
-              <a:t>WebLogic</a:t>
+              <a:t>WildFly</a:t>
             </a:r>
             <a:endParaRPr lang="ru-RU" dirty="0" smtClean="0">
               <a:cs typeface="Courier New" pitchFamily="49" charset="0"/>
@@ -8557,14 +8654,7 @@
                 <a:latin typeface="Courier New" pitchFamily="49" charset="0"/>
                 <a:cs typeface="Courier New" pitchFamily="49" charset="0"/>
               </a:rPr>
-              <a:t>public</a:t>
-            </a:r>
-            <a:r>
-              <a:rPr lang="en-US" sz="1400" b="1" dirty="0">
-                <a:latin typeface="Courier New" pitchFamily="49" charset="0"/>
-                <a:cs typeface="Courier New" pitchFamily="49" charset="0"/>
-              </a:rPr>
-              <a:t> </a:t>
+              <a:t>public </a:t>
             </a:r>
             <a:r>
               <a:rPr lang="en-US" sz="1400" b="1" dirty="0" smtClean="0">
@@ -8637,14 +8727,7 @@
                 <a:latin typeface="Courier New" pitchFamily="49" charset="0"/>
                 <a:cs typeface="Courier New" pitchFamily="49" charset="0"/>
               </a:rPr>
-              <a:t>void</a:t>
-            </a:r>
-            <a:r>
-              <a:rPr lang="en-US" sz="1400" b="1" dirty="0">
-                <a:latin typeface="Courier New" pitchFamily="49" charset="0"/>
-                <a:cs typeface="Courier New" pitchFamily="49" charset="0"/>
-              </a:rPr>
-              <a:t> insert</a:t>
+              <a:t>void insert</a:t>
             </a:r>
             <a:r>
               <a:rPr lang="en-US" sz="1400" b="1" dirty="0" smtClean="0">
